--- a/Domestic_Violence_on_woman_Ketenie_Flore recent (1).pptx
+++ b/Domestic_Violence_on_woman_Ketenie_Flore recent (1).pptx
@@ -12748,7 +12748,7 @@
         <p:spPr>
           <a:xfrm>
             <a:off x="261010" y="1339977"/>
-            <a:ext cx="5868670" cy="3114364"/>
+            <a:ext cx="5868670" cy="2704508"/>
           </a:xfrm>
           <a:prstGeom prst="rect">
             <a:avLst/>
@@ -12836,69 +12836,6 @@
                 <a:sym typeface="Times New Roman"/>
               </a:rPr>
               <a:t>-Attempted murder</a:t>
-            </a:r>
-          </a:p>
-          <a:p>
-            <a:pPr marL="195580" marR="0" lvl="0" indent="-182880" algn="l" rtl="0">
-              <a:lnSpc>
-                <a:spcPct val="128750"/>
-              </a:lnSpc>
-              <a:spcBef>
-                <a:spcPts val="95"/>
-              </a:spcBef>
-              <a:spcAft>
-                <a:spcPts val="0"/>
-              </a:spcAft>
-              <a:buClr>
-                <a:srgbClr val="6E6E74"/>
-              </a:buClr>
-              <a:buSzPts val="1636"/>
-              <a:buFont typeface="Arial"/>
-              <a:buChar char="•"/>
-            </a:pPr>
-            <a:r>
-              <a:rPr lang="en-US" sz="2000" dirty="0">
-                <a:solidFill>
-                  <a:schemeClr val="dk1"/>
-                </a:solidFill>
-                <a:latin typeface="Times New Roman"/>
-                <a:cs typeface="Times New Roman"/>
-                <a:sym typeface="Times New Roman"/>
-              </a:rPr>
-              <a:t>Absence du travail </a:t>
-            </a:r>
-            <a:r>
-              <a:rPr lang="en-US" sz="2000" dirty="0" err="1">
-                <a:solidFill>
-                  <a:schemeClr val="dk1"/>
-                </a:solidFill>
-                <a:latin typeface="Times New Roman"/>
-                <a:cs typeface="Times New Roman"/>
-                <a:sym typeface="Times New Roman"/>
-              </a:rPr>
-              <a:t>en</a:t>
-            </a:r>
-            <a:r>
-              <a:rPr lang="en-US" sz="2000" dirty="0">
-                <a:solidFill>
-                  <a:schemeClr val="dk1"/>
-                </a:solidFill>
-                <a:latin typeface="Times New Roman"/>
-                <a:cs typeface="Times New Roman"/>
-                <a:sym typeface="Times New Roman"/>
-              </a:rPr>
-              <a:t> raison de </a:t>
-            </a:r>
-            <a:r>
-              <a:rPr lang="en-US" sz="2000" dirty="0" err="1">
-                <a:solidFill>
-                  <a:schemeClr val="dk1"/>
-                </a:solidFill>
-                <a:latin typeface="Times New Roman"/>
-                <a:cs typeface="Times New Roman"/>
-                <a:sym typeface="Times New Roman"/>
-              </a:rPr>
-              <a:t>maladie</a:t>
             </a:r>
             <a:endParaRPr dirty="0"/>
           </a:p>

--- a/Domestic_Violence_on_woman_Ketenie_Flore recent (1).pptx
+++ b/Domestic_Violence_on_woman_Ketenie_Flore recent (1).pptx
@@ -8747,7 +8747,7 @@
                 <a:cs typeface="Calibri"/>
                 <a:sym typeface="Calibri"/>
               </a:rPr>
-              <a:t>We can also see that the Voodooists and the Others are 2 to 3 times more victims than the Catholics and the Protestants.</a:t>
+              <a:t>We can also see that the Voodooists and the Others are 2 times more victims than the Catholics and the Protestants.</a:t>
             </a:r>
             <a:endParaRPr dirty="0"/>
           </a:p>
@@ -9556,7 +9556,7 @@
         <p:spPr>
           <a:xfrm>
             <a:off x="8004516" y="2447778"/>
-            <a:ext cx="2729132" cy="3016210"/>
+            <a:ext cx="2729132" cy="2031325"/>
           </a:xfrm>
           <a:prstGeom prst="rect">
             <a:avLst/>
@@ -9570,142 +9570,8 @@
           <a:lstStyle/>
           <a:p>
             <a:r>
-              <a:rPr lang="en-US" sz="2000" dirty="0"/>
-              <a:t>Women who go out without telling their partner are much more victimized than those who tell their partner</a:t>
-            </a:r>
-            <a:r>
-              <a:rPr lang="en-US" dirty="0"/>
-              <a:t>.</a:t>
-            </a:r>
-          </a:p>
-          <a:p>
-            <a:r>
-              <a:rPr lang="en-US" dirty="0" err="1"/>
-              <a:t>Pami</a:t>
-            </a:r>
-            <a:r>
-              <a:rPr lang="en-US" dirty="0"/>
-              <a:t> </a:t>
-            </a:r>
-            <a:r>
-              <a:rPr lang="en-US" dirty="0" err="1"/>
-              <a:t>moun</a:t>
-            </a:r>
-            <a:r>
-              <a:rPr lang="en-US" dirty="0"/>
-              <a:t> ki victim de violence </a:t>
-            </a:r>
-            <a:r>
-              <a:rPr lang="en-US" dirty="0" err="1"/>
-              <a:t>domestic,moun</a:t>
-            </a:r>
-            <a:r>
-              <a:rPr lang="en-US" dirty="0"/>
-              <a:t> ki pp </a:t>
-            </a:r>
-            <a:r>
-              <a:rPr lang="en-US" dirty="0" err="1"/>
-              <a:t>travay</a:t>
-            </a:r>
-            <a:r>
-              <a:rPr lang="en-US" dirty="0"/>
-              <a:t> </a:t>
-            </a:r>
-            <a:r>
-              <a:rPr lang="en-US" dirty="0" err="1"/>
-              <a:t>yo</a:t>
-            </a:r>
-            <a:r>
-              <a:rPr lang="en-US" dirty="0"/>
-              <a:t> </a:t>
-            </a:r>
-            <a:r>
-              <a:rPr lang="en-US" dirty="0" err="1"/>
-              <a:t>pran</a:t>
-            </a:r>
-            <a:r>
-              <a:rPr lang="en-US" dirty="0"/>
-              <a:t> plus baton le </a:t>
-            </a:r>
-            <a:r>
-              <a:rPr lang="en-US" dirty="0" err="1"/>
-              <a:t>yo</a:t>
-            </a:r>
-            <a:r>
-              <a:rPr lang="en-US" dirty="0"/>
-              <a:t> </a:t>
-            </a:r>
-            <a:r>
-              <a:rPr lang="en-US" dirty="0" err="1"/>
-              <a:t>sortti</a:t>
-            </a:r>
-            <a:r>
-              <a:rPr lang="en-US" dirty="0"/>
-              <a:t> </a:t>
-            </a:r>
-            <a:r>
-              <a:rPr lang="en-US" dirty="0" err="1"/>
-              <a:t>san</a:t>
-            </a:r>
-            <a:r>
-              <a:rPr lang="en-US" dirty="0"/>
-              <a:t> </a:t>
-            </a:r>
-            <a:r>
-              <a:rPr lang="en-US" dirty="0" err="1"/>
-              <a:t>yo</a:t>
-            </a:r>
-            <a:r>
-              <a:rPr lang="en-US" dirty="0"/>
-              <a:t> pa di </a:t>
-            </a:r>
-            <a:r>
-              <a:rPr lang="en-US" dirty="0" err="1"/>
-              <a:t>mari</a:t>
-            </a:r>
-            <a:r>
-              <a:rPr lang="en-US" dirty="0"/>
-              <a:t> </a:t>
-            </a:r>
-            <a:r>
-              <a:rPr lang="en-US" dirty="0" err="1"/>
-              <a:t>yo</a:t>
-            </a:r>
-            <a:r>
-              <a:rPr lang="en-US" dirty="0"/>
-              <a:t> </a:t>
-            </a:r>
-            <a:r>
-              <a:rPr lang="en-US" dirty="0" err="1"/>
-              <a:t>ke</a:t>
-            </a:r>
-            <a:r>
-              <a:rPr lang="en-US" dirty="0"/>
-              <a:t> </a:t>
-            </a:r>
-            <a:r>
-              <a:rPr lang="en-US" dirty="0" err="1"/>
-              <a:t>moun</a:t>
-            </a:r>
-            <a:r>
-              <a:rPr lang="en-US" dirty="0"/>
-              <a:t> </a:t>
-            </a:r>
-            <a:r>
-              <a:rPr lang="en-US" dirty="0" err="1"/>
-              <a:t>kap</a:t>
-            </a:r>
-            <a:r>
-              <a:rPr lang="en-US" dirty="0"/>
-              <a:t> travail </a:t>
-            </a:r>
-            <a:r>
-              <a:rPr lang="en-US" dirty="0" err="1"/>
-              <a:t>yo</a:t>
-            </a:r>
-            <a:r>
-              <a:rPr lang="en-US" dirty="0"/>
-              <a:t>.</a:t>
+              <a:rPr lang="en-US" sz="1800" dirty="0"/>
+              <a:t>Among the women who are victims of violence, the women who do not work are more beaten when they go out without telling their spouse than those who work..</a:t>
             </a:r>
           </a:p>
         </p:txBody>
@@ -12637,7 +12503,7 @@
               <a:buNone/>
             </a:pPr>
             <a:r>
-              <a:rPr lang="en-US" sz="1800">
+              <a:rPr lang="en-US" sz="1800" dirty="0">
                 <a:solidFill>
                   <a:schemeClr val="dk1"/>
                 </a:solidFill>
@@ -12648,7 +12514,7 @@
               </a:rPr>
               <a:t>For every 1,000 women between the ages of 15 and 19, 150 of them have at least been victimized in Haiti, the highest proportion of any other age group..</a:t>
             </a:r>
-            <a:endParaRPr sz="1800">
+            <a:endParaRPr sz="1800" dirty="0">
               <a:solidFill>
                 <a:schemeClr val="dk1"/>
               </a:solidFill>
@@ -12946,7 +12812,7 @@
                 <a:cs typeface="Times New Roman"/>
                 <a:sym typeface="Times New Roman"/>
               </a:rPr>
-              <a:t>..</a:t>
+              <a:t>.</a:t>
             </a:r>
             <a:endParaRPr sz="2400" dirty="0">
               <a:solidFill>
